--- a/textbook/파이썬5-4교시.pptx
+++ b/textbook/파이썬5-4교시.pptx
@@ -8582,32 +8582,40 @@
           <a:p>
             <a:r>
               <a:rPr lang="en-US" altLang="ko-KR" dirty="0"/>
-              <a:t> event</a:t>
-            </a:r>
-            <a:r>
-              <a:rPr lang="ko-KR" altLang="en-US" dirty="0"/>
-              <a:t>로 입력 받기</a:t>
+              <a:t> </a:t>
+            </a:r>
+            <a:r>
+              <a:rPr lang="ko-KR" altLang="en-US" dirty="0" smtClean="0"/>
+              <a:t>주기적으로 그림이 변하는 것</a:t>
             </a:r>
             <a:endParaRPr lang="en-US" altLang="ko-KR" dirty="0"/>
           </a:p>
           <a:p>
+            <a:pPr marL="0" indent="0">
+              <a:buNone/>
+            </a:pPr>
+            <a:r>
+              <a:rPr lang="en-US" altLang="ko-KR" dirty="0"/>
+              <a:t> </a:t>
+            </a:r>
+            <a:r>
+              <a:rPr lang="en-US" altLang="ko-KR" dirty="0" smtClean="0"/>
+              <a:t>- </a:t>
+            </a:r>
+            <a:r>
+              <a:rPr lang="ko-KR" altLang="en-US" dirty="0" smtClean="0"/>
+              <a:t>여러 개의 이미지가 필요하다</a:t>
+            </a:r>
+            <a:r>
+              <a:rPr lang="en-US" altLang="ko-KR" dirty="0" smtClean="0"/>
+              <a:t>.</a:t>
+            </a:r>
             <a:endParaRPr lang="en-US" altLang="ko-KR" dirty="0"/>
           </a:p>
           <a:p>
-            <a:endParaRPr lang="en-US" altLang="ko-KR" dirty="0"/>
-          </a:p>
-          <a:p>
-            <a:endParaRPr lang="en-US" altLang="ko-KR" dirty="0"/>
-          </a:p>
-          <a:p>
-            <a:r>
-              <a:rPr lang="en-US" altLang="ko-KR" dirty="0" err="1"/>
-              <a:t>Pressed_key</a:t>
-            </a:r>
-            <a:r>
-              <a:rPr lang="ko-KR" altLang="en-US" dirty="0"/>
-              <a:t>를 통해서 입력 받기</a:t>
-            </a:r>
+            <a:pPr marL="0" indent="0">
+              <a:buNone/>
+            </a:pPr>
             <a:endParaRPr lang="en-US" altLang="ko-KR" dirty="0"/>
           </a:p>
           <a:p>

--- a/textbook/파이썬5-4교시.pptx
+++ b/textbook/파이썬5-4교시.pptx
@@ -368,7 +368,7 @@
           <a:p>
             <a:fld id="{3575F28B-E03B-4F00-AA56-A8AF97DAF43F}" type="datetimeFigureOut">
               <a:rPr lang="ko-KR" altLang="en-US" smtClean="0"/>
-              <a:t>2021-07-15</a:t>
+              <a:t>2021-07-24</a:t>
             </a:fld>
             <a:endParaRPr lang="ko-KR" altLang="en-US"/>
           </a:p>
@@ -1508,7 +1508,7 @@
           <a:p>
             <a:fld id="{3575F28B-E03B-4F00-AA56-A8AF97DAF43F}" type="datetimeFigureOut">
               <a:rPr lang="ko-KR" altLang="en-US" smtClean="0"/>
-              <a:t>2021-07-15</a:t>
+              <a:t>2021-07-24</a:t>
             </a:fld>
             <a:endParaRPr lang="ko-KR" altLang="en-US"/>
           </a:p>
@@ -2143,7 +2143,7 @@
           <a:p>
             <a:fld id="{3575F28B-E03B-4F00-AA56-A8AF97DAF43F}" type="datetimeFigureOut">
               <a:rPr lang="ko-KR" altLang="en-US" smtClean="0"/>
-              <a:t>2021-07-15</a:t>
+              <a:t>2021-07-24</a:t>
             </a:fld>
             <a:endParaRPr lang="ko-KR" altLang="en-US"/>
           </a:p>
@@ -2295,7 +2295,7 @@
           <a:p>
             <a:fld id="{3575F28B-E03B-4F00-AA56-A8AF97DAF43F}" type="datetimeFigureOut">
               <a:rPr lang="ko-KR" altLang="en-US" smtClean="0"/>
-              <a:t>2021-07-15</a:t>
+              <a:t>2021-07-24</a:t>
             </a:fld>
             <a:endParaRPr lang="ko-KR" altLang="en-US"/>
           </a:p>
@@ -3424,7 +3424,7 @@
           <a:p>
             <a:fld id="{3575F28B-E03B-4F00-AA56-A8AF97DAF43F}" type="datetimeFigureOut">
               <a:rPr lang="ko-KR" altLang="en-US" smtClean="0"/>
-              <a:t>2021-07-15</a:t>
+              <a:t>2021-07-24</a:t>
             </a:fld>
             <a:endParaRPr lang="ko-KR" altLang="en-US"/>
           </a:p>
@@ -4537,7 +4537,7 @@
           <a:p>
             <a:fld id="{3575F28B-E03B-4F00-AA56-A8AF97DAF43F}" type="datetimeFigureOut">
               <a:rPr lang="ko-KR" altLang="en-US" smtClean="0"/>
-              <a:t>2021-07-15</a:t>
+              <a:t>2021-07-24</a:t>
             </a:fld>
             <a:endParaRPr lang="ko-KR" altLang="en-US"/>
           </a:p>
@@ -5500,7 +5500,7 @@
           <a:p>
             <a:fld id="{3575F28B-E03B-4F00-AA56-A8AF97DAF43F}" type="datetimeFigureOut">
               <a:rPr lang="ko-KR" altLang="en-US" smtClean="0"/>
-              <a:t>2021-07-15</a:t>
+              <a:t>2021-07-24</a:t>
             </a:fld>
             <a:endParaRPr lang="ko-KR" altLang="en-US"/>
           </a:p>
@@ -6110,7 +6110,7 @@
           <a:p>
             <a:fld id="{3575F28B-E03B-4F00-AA56-A8AF97DAF43F}" type="datetimeFigureOut">
               <a:rPr lang="ko-KR" altLang="en-US" smtClean="0"/>
-              <a:t>2021-07-15</a:t>
+              <a:t>2021-07-24</a:t>
             </a:fld>
             <a:endParaRPr lang="ko-KR" altLang="en-US"/>
           </a:p>
@@ -6205,7 +6205,7 @@
           <a:p>
             <a:fld id="{3575F28B-E03B-4F00-AA56-A8AF97DAF43F}" type="datetimeFigureOut">
               <a:rPr lang="ko-KR" altLang="en-US" smtClean="0"/>
-              <a:t>2021-07-15</a:t>
+              <a:t>2021-07-24</a:t>
             </a:fld>
             <a:endParaRPr lang="ko-KR" altLang="en-US"/>
           </a:p>
@@ -6482,7 +6482,7 @@
           <a:p>
             <a:fld id="{3575F28B-E03B-4F00-AA56-A8AF97DAF43F}" type="datetimeFigureOut">
               <a:rPr lang="ko-KR" altLang="en-US" smtClean="0"/>
-              <a:t>2021-07-15</a:t>
+              <a:t>2021-07-24</a:t>
             </a:fld>
             <a:endParaRPr lang="ko-KR" altLang="en-US"/>
           </a:p>
@@ -7203,7 +7203,7 @@
           <a:p>
             <a:fld id="{3575F28B-E03B-4F00-AA56-A8AF97DAF43F}" type="datetimeFigureOut">
               <a:rPr lang="ko-KR" altLang="en-US" smtClean="0"/>
-              <a:t>2021-07-15</a:t>
+              <a:t>2021-07-24</a:t>
             </a:fld>
             <a:endParaRPr lang="ko-KR" altLang="en-US"/>
           </a:p>
@@ -7838,7 +7838,7 @@
           <a:p>
             <a:fld id="{3575F28B-E03B-4F00-AA56-A8AF97DAF43F}" type="datetimeFigureOut">
               <a:rPr lang="ko-KR" altLang="en-US" smtClean="0"/>
-              <a:t>2021-07-15</a:t>
+              <a:t>2021-07-24</a:t>
             </a:fld>
             <a:endParaRPr lang="ko-KR" altLang="en-US"/>
           </a:p>
@@ -9968,7 +9968,7 @@
         </p:nvSpPr>
         <p:spPr>
           <a:xfrm>
-            <a:off x="3491880" y="3645024"/>
+            <a:off x="3469703" y="3709556"/>
             <a:ext cx="1224136" cy="792088"/>
           </a:xfrm>
           <a:prstGeom prst="rect">

--- a/textbook/파이썬5-4교시.pptx
+++ b/textbook/파이썬5-4교시.pptx
@@ -368,7 +368,7 @@
           <a:p>
             <a:fld id="{3575F28B-E03B-4F00-AA56-A8AF97DAF43F}" type="datetimeFigureOut">
               <a:rPr lang="ko-KR" altLang="en-US" smtClean="0"/>
-              <a:t>2021-07-24</a:t>
+              <a:t>2021-08-14</a:t>
             </a:fld>
             <a:endParaRPr lang="ko-KR" altLang="en-US"/>
           </a:p>
@@ -1508,7 +1508,7 @@
           <a:p>
             <a:fld id="{3575F28B-E03B-4F00-AA56-A8AF97DAF43F}" type="datetimeFigureOut">
               <a:rPr lang="ko-KR" altLang="en-US" smtClean="0"/>
-              <a:t>2021-07-24</a:t>
+              <a:t>2021-08-14</a:t>
             </a:fld>
             <a:endParaRPr lang="ko-KR" altLang="en-US"/>
           </a:p>
@@ -2143,7 +2143,7 @@
           <a:p>
             <a:fld id="{3575F28B-E03B-4F00-AA56-A8AF97DAF43F}" type="datetimeFigureOut">
               <a:rPr lang="ko-KR" altLang="en-US" smtClean="0"/>
-              <a:t>2021-07-24</a:t>
+              <a:t>2021-08-14</a:t>
             </a:fld>
             <a:endParaRPr lang="ko-KR" altLang="en-US"/>
           </a:p>
@@ -2295,7 +2295,7 @@
           <a:p>
             <a:fld id="{3575F28B-E03B-4F00-AA56-A8AF97DAF43F}" type="datetimeFigureOut">
               <a:rPr lang="ko-KR" altLang="en-US" smtClean="0"/>
-              <a:t>2021-07-24</a:t>
+              <a:t>2021-08-14</a:t>
             </a:fld>
             <a:endParaRPr lang="ko-KR" altLang="en-US"/>
           </a:p>
@@ -3424,7 +3424,7 @@
           <a:p>
             <a:fld id="{3575F28B-E03B-4F00-AA56-A8AF97DAF43F}" type="datetimeFigureOut">
               <a:rPr lang="ko-KR" altLang="en-US" smtClean="0"/>
-              <a:t>2021-07-24</a:t>
+              <a:t>2021-08-14</a:t>
             </a:fld>
             <a:endParaRPr lang="ko-KR" altLang="en-US"/>
           </a:p>
@@ -4537,7 +4537,7 @@
           <a:p>
             <a:fld id="{3575F28B-E03B-4F00-AA56-A8AF97DAF43F}" type="datetimeFigureOut">
               <a:rPr lang="ko-KR" altLang="en-US" smtClean="0"/>
-              <a:t>2021-07-24</a:t>
+              <a:t>2021-08-14</a:t>
             </a:fld>
             <a:endParaRPr lang="ko-KR" altLang="en-US"/>
           </a:p>
@@ -5500,7 +5500,7 @@
           <a:p>
             <a:fld id="{3575F28B-E03B-4F00-AA56-A8AF97DAF43F}" type="datetimeFigureOut">
               <a:rPr lang="ko-KR" altLang="en-US" smtClean="0"/>
-              <a:t>2021-07-24</a:t>
+              <a:t>2021-08-14</a:t>
             </a:fld>
             <a:endParaRPr lang="ko-KR" altLang="en-US"/>
           </a:p>
@@ -6110,7 +6110,7 @@
           <a:p>
             <a:fld id="{3575F28B-E03B-4F00-AA56-A8AF97DAF43F}" type="datetimeFigureOut">
               <a:rPr lang="ko-KR" altLang="en-US" smtClean="0"/>
-              <a:t>2021-07-24</a:t>
+              <a:t>2021-08-14</a:t>
             </a:fld>
             <a:endParaRPr lang="ko-KR" altLang="en-US"/>
           </a:p>
@@ -6205,7 +6205,7 @@
           <a:p>
             <a:fld id="{3575F28B-E03B-4F00-AA56-A8AF97DAF43F}" type="datetimeFigureOut">
               <a:rPr lang="ko-KR" altLang="en-US" smtClean="0"/>
-              <a:t>2021-07-24</a:t>
+              <a:t>2021-08-14</a:t>
             </a:fld>
             <a:endParaRPr lang="ko-KR" altLang="en-US"/>
           </a:p>
@@ -6482,7 +6482,7 @@
           <a:p>
             <a:fld id="{3575F28B-E03B-4F00-AA56-A8AF97DAF43F}" type="datetimeFigureOut">
               <a:rPr lang="ko-KR" altLang="en-US" smtClean="0"/>
-              <a:t>2021-07-24</a:t>
+              <a:t>2021-08-14</a:t>
             </a:fld>
             <a:endParaRPr lang="ko-KR" altLang="en-US"/>
           </a:p>
@@ -7203,7 +7203,7 @@
           <a:p>
             <a:fld id="{3575F28B-E03B-4F00-AA56-A8AF97DAF43F}" type="datetimeFigureOut">
               <a:rPr lang="ko-KR" altLang="en-US" smtClean="0"/>
-              <a:t>2021-07-24</a:t>
+              <a:t>2021-08-14</a:t>
             </a:fld>
             <a:endParaRPr lang="ko-KR" altLang="en-US"/>
           </a:p>
@@ -7838,7 +7838,7 @@
           <a:p>
             <a:fld id="{3575F28B-E03B-4F00-AA56-A8AF97DAF43F}" type="datetimeFigureOut">
               <a:rPr lang="ko-KR" altLang="en-US" smtClean="0"/>
-              <a:t>2021-07-24</a:t>
+              <a:t>2021-08-14</a:t>
             </a:fld>
             <a:endParaRPr lang="ko-KR" altLang="en-US"/>
           </a:p>
@@ -9968,7 +9968,7 @@
         </p:nvSpPr>
         <p:spPr>
           <a:xfrm>
-            <a:off x="3469703" y="3709556"/>
+            <a:off x="3469703" y="3648762"/>
             <a:ext cx="1224136" cy="792088"/>
           </a:xfrm>
           <a:prstGeom prst="rect">
